--- a/курсовая работа/kursach.pptx
+++ b/курсовая работа/kursach.pptx
@@ -6159,7 +6159,10 @@
           <a:bodyPr/>
           <a:lstStyle/>
           <a:p>
-            <a:endParaRPr lang="ru-RU"/>
+            <a:pPr marL="0" indent="0">
+              <a:buNone/>
+            </a:pPr>
+            <a:endParaRPr lang="ru-RU" dirty="0"/>
           </a:p>
         </p:txBody>
       </p:sp>
@@ -6184,7 +6187,10 @@
           <a:bodyPr/>
           <a:lstStyle/>
           <a:p>
-            <a:endParaRPr lang="ru-RU"/>
+            <a:pPr marL="0" indent="0">
+              <a:buNone/>
+            </a:pPr>
+            <a:endParaRPr lang="ru-RU" dirty="0"/>
           </a:p>
         </p:txBody>
       </p:sp>
@@ -6460,7 +6466,7 @@
             <a:pPr algn="ctr"/>
             <a:r>
               <a:rPr lang="ru-RU" dirty="0"/>
-              <a:t>13. Метод опорных векторов</a:t>
+              <a:t>13. Визуализация</a:t>
             </a:r>
           </a:p>
         </p:txBody>
@@ -6569,7 +6575,7 @@
             <a:pPr algn="ctr"/>
             <a:r>
               <a:rPr lang="ru-RU" dirty="0"/>
-              <a:t>13. Метод опорных векторов</a:t>
+              <a:t>13. Итоги и вывод</a:t>
             </a:r>
           </a:p>
         </p:txBody>

--- a/курсовая работа/kursach.pptx
+++ b/курсовая работа/kursach.pptx
@@ -312,7 +312,7 @@
           <a:p>
             <a:fld id="{A5B04A74-A690-447C-8A92-A8311BE27866}" type="datetimeFigureOut">
               <a:rPr lang="ru-RU" smtClean="0"/>
-              <a:t>12.05.2025</a:t>
+              <a:t>29.05.2025</a:t>
             </a:fld>
             <a:endParaRPr lang="ru-RU"/>
           </a:p>
@@ -587,7 +587,7 @@
           <a:p>
             <a:fld id="{A5B04A74-A690-447C-8A92-A8311BE27866}" type="datetimeFigureOut">
               <a:rPr lang="ru-RU" smtClean="0"/>
-              <a:t>12.05.2025</a:t>
+              <a:t>29.05.2025</a:t>
             </a:fld>
             <a:endParaRPr lang="ru-RU"/>
           </a:p>
@@ -781,7 +781,7 @@
           <a:p>
             <a:fld id="{A5B04A74-A690-447C-8A92-A8311BE27866}" type="datetimeFigureOut">
               <a:rPr lang="ru-RU" smtClean="0"/>
-              <a:t>12.05.2025</a:t>
+              <a:t>29.05.2025</a:t>
             </a:fld>
             <a:endParaRPr lang="ru-RU"/>
           </a:p>
@@ -1054,7 +1054,7 @@
           <a:p>
             <a:fld id="{A5B04A74-A690-447C-8A92-A8311BE27866}" type="datetimeFigureOut">
               <a:rPr lang="ru-RU" smtClean="0"/>
-              <a:t>12.05.2025</a:t>
+              <a:t>29.05.2025</a:t>
             </a:fld>
             <a:endParaRPr lang="ru-RU"/>
           </a:p>
@@ -1395,7 +1395,7 @@
           <a:p>
             <a:fld id="{A5B04A74-A690-447C-8A92-A8311BE27866}" type="datetimeFigureOut">
               <a:rPr lang="ru-RU" smtClean="0"/>
-              <a:t>12.05.2025</a:t>
+              <a:t>29.05.2025</a:t>
             </a:fld>
             <a:endParaRPr lang="ru-RU"/>
           </a:p>
@@ -2018,7 +2018,7 @@
           <a:p>
             <a:fld id="{A5B04A74-A690-447C-8A92-A8311BE27866}" type="datetimeFigureOut">
               <a:rPr lang="ru-RU" smtClean="0"/>
-              <a:t>12.05.2025</a:t>
+              <a:t>29.05.2025</a:t>
             </a:fld>
             <a:endParaRPr lang="ru-RU"/>
           </a:p>
@@ -2878,7 +2878,7 @@
           <a:p>
             <a:fld id="{A5B04A74-A690-447C-8A92-A8311BE27866}" type="datetimeFigureOut">
               <a:rPr lang="ru-RU" smtClean="0"/>
-              <a:t>12.05.2025</a:t>
+              <a:t>29.05.2025</a:t>
             </a:fld>
             <a:endParaRPr lang="ru-RU"/>
           </a:p>
@@ -3048,7 +3048,7 @@
           <a:p>
             <a:fld id="{A5B04A74-A690-447C-8A92-A8311BE27866}" type="datetimeFigureOut">
               <a:rPr lang="ru-RU" smtClean="0"/>
-              <a:t>12.05.2025</a:t>
+              <a:t>29.05.2025</a:t>
             </a:fld>
             <a:endParaRPr lang="ru-RU"/>
           </a:p>
@@ -3228,7 +3228,7 @@
           <a:p>
             <a:fld id="{A5B04A74-A690-447C-8A92-A8311BE27866}" type="datetimeFigureOut">
               <a:rPr lang="ru-RU" smtClean="0"/>
-              <a:t>12.05.2025</a:t>
+              <a:t>29.05.2025</a:t>
             </a:fld>
             <a:endParaRPr lang="ru-RU"/>
           </a:p>
@@ -3398,7 +3398,7 @@
           <a:p>
             <a:fld id="{A5B04A74-A690-447C-8A92-A8311BE27866}" type="datetimeFigureOut">
               <a:rPr lang="ru-RU" smtClean="0"/>
-              <a:t>12.05.2025</a:t>
+              <a:t>29.05.2025</a:t>
             </a:fld>
             <a:endParaRPr lang="ru-RU"/>
           </a:p>
@@ -3645,7 +3645,7 @@
           <a:p>
             <a:fld id="{A5B04A74-A690-447C-8A92-A8311BE27866}" type="datetimeFigureOut">
               <a:rPr lang="ru-RU" smtClean="0"/>
-              <a:t>12.05.2025</a:t>
+              <a:t>29.05.2025</a:t>
             </a:fld>
             <a:endParaRPr lang="ru-RU"/>
           </a:p>
@@ -3937,7 +3937,7 @@
           <a:p>
             <a:fld id="{A5B04A74-A690-447C-8A92-A8311BE27866}" type="datetimeFigureOut">
               <a:rPr lang="ru-RU" smtClean="0"/>
-              <a:t>12.05.2025</a:t>
+              <a:t>29.05.2025</a:t>
             </a:fld>
             <a:endParaRPr lang="ru-RU"/>
           </a:p>
@@ -4381,7 +4381,7 @@
           <a:p>
             <a:fld id="{A5B04A74-A690-447C-8A92-A8311BE27866}" type="datetimeFigureOut">
               <a:rPr lang="ru-RU" smtClean="0"/>
-              <a:t>12.05.2025</a:t>
+              <a:t>29.05.2025</a:t>
             </a:fld>
             <a:endParaRPr lang="ru-RU"/>
           </a:p>
@@ -4499,7 +4499,7 @@
           <a:p>
             <a:fld id="{A5B04A74-A690-447C-8A92-A8311BE27866}" type="datetimeFigureOut">
               <a:rPr lang="ru-RU" smtClean="0"/>
-              <a:t>12.05.2025</a:t>
+              <a:t>29.05.2025</a:t>
             </a:fld>
             <a:endParaRPr lang="ru-RU"/>
           </a:p>
@@ -4594,7 +4594,7 @@
           <a:p>
             <a:fld id="{A5B04A74-A690-447C-8A92-A8311BE27866}" type="datetimeFigureOut">
               <a:rPr lang="ru-RU" smtClean="0"/>
-              <a:t>12.05.2025</a:t>
+              <a:t>29.05.2025</a:t>
             </a:fld>
             <a:endParaRPr lang="ru-RU"/>
           </a:p>
@@ -4873,7 +4873,7 @@
           <a:p>
             <a:fld id="{A5B04A74-A690-447C-8A92-A8311BE27866}" type="datetimeFigureOut">
               <a:rPr lang="ru-RU" smtClean="0"/>
-              <a:t>12.05.2025</a:t>
+              <a:t>29.05.2025</a:t>
             </a:fld>
             <a:endParaRPr lang="ru-RU"/>
           </a:p>
@@ -5148,7 +5148,7 @@
           <a:p>
             <a:fld id="{A5B04A74-A690-447C-8A92-A8311BE27866}" type="datetimeFigureOut">
               <a:rPr lang="ru-RU" smtClean="0"/>
-              <a:t>12.05.2025</a:t>
+              <a:t>29.05.2025</a:t>
             </a:fld>
             <a:endParaRPr lang="ru-RU"/>
           </a:p>
@@ -5577,7 +5577,7 @@
           <a:p>
             <a:fld id="{A5B04A74-A690-447C-8A92-A8311BE27866}" type="datetimeFigureOut">
               <a:rPr lang="ru-RU" smtClean="0"/>
-              <a:t>12.05.2025</a:t>
+              <a:t>29.05.2025</a:t>
             </a:fld>
             <a:endParaRPr lang="ru-RU"/>
           </a:p>
@@ -6248,61 +6248,43 @@
             <a:pPr algn="ctr"/>
             <a:r>
               <a:rPr lang="ru-RU" dirty="0"/>
-              <a:t>11. Применение метода опорных векторов</a:t>
-            </a:r>
-          </a:p>
-        </p:txBody>
-      </p:sp>
-      <p:sp>
-        <p:nvSpPr>
-          <p:cNvPr id="3" name="Объект 2">
+              <a:t>11. Реализация метода опорных векторов</a:t>
+            </a:r>
+          </a:p>
+        </p:txBody>
+      </p:sp>
+      <p:pic>
+        <p:nvPicPr>
+          <p:cNvPr id="5" name="Объект 4">
             <a:extLst>
               <a:ext uri="{FF2B5EF4-FFF2-40B4-BE49-F238E27FC236}">
-                <a16:creationId xmlns:a16="http://schemas.microsoft.com/office/drawing/2014/main" id="{97EE05E6-7D08-9DD9-9EBC-B2BA24970568}"/>
+                <a16:creationId xmlns:a16="http://schemas.microsoft.com/office/drawing/2014/main" id="{DA0421C4-DA95-D023-4908-C08848A8237E}"/>
               </a:ext>
             </a:extLst>
           </p:cNvPr>
-          <p:cNvSpPr>
-            <a:spLocks noGrp="1"/>
-          </p:cNvSpPr>
+          <p:cNvPicPr>
+            <a:picLocks noGrp="1" noChangeAspect="1"/>
+          </p:cNvPicPr>
           <p:nvPr>
             <p:ph sz="half" idx="1"/>
           </p:nvPr>
-        </p:nvSpPr>
-        <p:spPr/>
-        <p:txBody>
-          <a:bodyPr/>
-          <a:lstStyle/>
-          <a:p>
-            <a:endParaRPr lang="ru-RU"/>
-          </a:p>
-        </p:txBody>
-      </p:sp>
-      <p:sp>
-        <p:nvSpPr>
-          <p:cNvPr id="4" name="Объект 3">
-            <a:extLst>
-              <a:ext uri="{FF2B5EF4-FFF2-40B4-BE49-F238E27FC236}">
-                <a16:creationId xmlns:a16="http://schemas.microsoft.com/office/drawing/2014/main" id="{FC0373AC-5552-9717-9F43-0ED055331147}"/>
-              </a:ext>
-            </a:extLst>
-          </p:cNvPr>
-          <p:cNvSpPr>
-            <a:spLocks noGrp="1"/>
-          </p:cNvSpPr>
-          <p:nvPr>
-            <p:ph sz="half" idx="2"/>
-          </p:nvPr>
-        </p:nvSpPr>
-        <p:spPr/>
-        <p:txBody>
-          <a:bodyPr/>
-          <a:lstStyle/>
-          <a:p>
-            <a:endParaRPr lang="ru-RU"/>
-          </a:p>
-        </p:txBody>
-      </p:sp>
+        </p:nvPicPr>
+        <p:blipFill>
+          <a:blip r:embed="rId2"/>
+          <a:stretch>
+            <a:fillRect/>
+          </a:stretch>
+        </p:blipFill>
+        <p:spPr>
+          <a:xfrm>
+            <a:off x="3568481" y="2329996"/>
+            <a:ext cx="5055038" cy="3570472"/>
+          </a:xfrm>
+          <a:prstGeom prst="rect">
+            <a:avLst/>
+          </a:prstGeom>
+        </p:spPr>
+      </p:pic>
     </p:spTree>
     <p:extLst>
       <p:ext uri="{BB962C8B-B14F-4D97-AF65-F5344CB8AC3E}">
@@ -6798,31 +6780,55 @@
           </a:p>
         </p:txBody>
       </p:sp>
-      <p:sp>
-        <p:nvSpPr>
-          <p:cNvPr id="5" name="Объект 4">
+      <p:pic>
+        <p:nvPicPr>
+          <p:cNvPr id="4098" name="Picture 2" descr="Почему котики популярны в интернете. | Пикабу">
             <a:extLst>
               <a:ext uri="{FF2B5EF4-FFF2-40B4-BE49-F238E27FC236}">
-                <a16:creationId xmlns:a16="http://schemas.microsoft.com/office/drawing/2014/main" id="{BC4BC74C-41A5-37A7-62DC-53375A774A95}"/>
+                <a16:creationId xmlns:a16="http://schemas.microsoft.com/office/drawing/2014/main" id="{6CB39D9F-A38E-5787-1427-2B157C04F11F}"/>
               </a:ext>
             </a:extLst>
           </p:cNvPr>
-          <p:cNvSpPr>
-            <a:spLocks noGrp="1"/>
-          </p:cNvSpPr>
+          <p:cNvPicPr>
+            <a:picLocks noGrp="1" noChangeAspect="1" noChangeArrowheads="1"/>
+          </p:cNvPicPr>
           <p:nvPr>
             <p:ph idx="1"/>
           </p:nvPr>
-        </p:nvSpPr>
-        <p:spPr/>
-        <p:txBody>
-          <a:bodyPr/>
-          <a:lstStyle/>
-          <a:p>
-            <a:endParaRPr lang="ru-RU"/>
-          </a:p>
-        </p:txBody>
-      </p:sp>
+        </p:nvPicPr>
+        <p:blipFill>
+          <a:blip r:embed="rId2">
+            <a:extLst>
+              <a:ext uri="{28A0092B-C50C-407E-A947-70E740481C1C}">
+                <a14:useLocalDpi xmlns:a14="http://schemas.microsoft.com/office/drawing/2010/main" val="0"/>
+              </a:ext>
+            </a:extLst>
+          </a:blip>
+          <a:srcRect/>
+          <a:stretch>
+            <a:fillRect/>
+          </a:stretch>
+        </p:blipFill>
+        <p:spPr bwMode="auto">
+          <a:xfrm>
+            <a:off x="2481263" y="2135981"/>
+            <a:ext cx="6191250" cy="4029075"/>
+          </a:xfrm>
+          <a:prstGeom prst="rect">
+            <a:avLst/>
+          </a:prstGeom>
+          <a:noFill/>
+          <a:extLst>
+            <a:ext uri="{909E8E84-426E-40DD-AFC4-6F175D3DCCD1}">
+              <a14:hiddenFill xmlns:a14="http://schemas.microsoft.com/office/drawing/2010/main">
+                <a:solidFill>
+                  <a:srgbClr val="FFFFFF"/>
+                </a:solidFill>
+              </a14:hiddenFill>
+            </a:ext>
+          </a:extLst>
+        </p:spPr>
+      </p:pic>
     </p:spTree>
     <p:extLst>
       <p:ext uri="{BB962C8B-B14F-4D97-AF65-F5344CB8AC3E}">
@@ -6907,40 +6913,88 @@
             <p:ph sz="half" idx="1"/>
           </p:nvPr>
         </p:nvSpPr>
-        <p:spPr/>
-        <p:txBody>
-          <a:bodyPr/>
-          <a:lstStyle/>
-          <a:p>
-            <a:endParaRPr lang="ru-RU"/>
-          </a:p>
-        </p:txBody>
-      </p:sp>
-      <p:sp>
-        <p:nvSpPr>
-          <p:cNvPr id="16" name="Объект 15">
+        <p:spPr>
+          <a:xfrm>
+            <a:off x="1180950" y="1911543"/>
+            <a:ext cx="4396339" cy="4195763"/>
+          </a:xfrm>
+        </p:spPr>
+        <p:txBody>
+          <a:bodyPr>
+            <a:normAutofit fontScale="85000" lnSpcReduction="10000"/>
+          </a:bodyPr>
+          <a:lstStyle/>
+          <a:p>
+            <a:pPr marL="342000" indent="360000">
+              <a:lnSpc>
+                <a:spcPct val="160000"/>
+              </a:lnSpc>
+              <a:buFont typeface="Arial" panose="020B0604020202020204" pitchFamily="34" charset="0"/>
+              <a:buChar char="•"/>
+            </a:pPr>
+            <a:r>
+              <a:rPr lang="ru-RU" sz="1900" dirty="0">
+                <a:effectLst/>
+                <a:latin typeface="Times New Roman" panose="02020603050405020304" pitchFamily="18" charset="0"/>
+                <a:ea typeface="Times New Roman" panose="02020603050405020304" pitchFamily="18" charset="0"/>
+              </a:rPr>
+              <a:t>Настоящая курсовая работа посвящена разработке программы классификации музыкальных произведений по жанрам с использованием алгоритмов метода опорных векторов (SVM). Метод опорных векторов является мощным инструментом машинного обучения, который обладает высокой обобщающей способностью и эффективен в задачах классификации, в том числе для нелинейно разделимых данных.</a:t>
+            </a:r>
+          </a:p>
+          <a:p>
+            <a:endParaRPr lang="ru-RU" dirty="0"/>
+          </a:p>
+        </p:txBody>
+      </p:sp>
+      <p:pic>
+        <p:nvPicPr>
+          <p:cNvPr id="3074" name="Picture 2" descr="Ray Manzarek - Wikipedia">
             <a:extLst>
               <a:ext uri="{FF2B5EF4-FFF2-40B4-BE49-F238E27FC236}">
-                <a16:creationId xmlns:a16="http://schemas.microsoft.com/office/drawing/2014/main" id="{AF62DB12-5B0E-0EEF-C5BA-C9113AFA2253}"/>
+                <a16:creationId xmlns:a16="http://schemas.microsoft.com/office/drawing/2014/main" id="{77E5D3B5-B9BF-4CD2-DD32-9C6B3AAA4BF6}"/>
               </a:ext>
             </a:extLst>
           </p:cNvPr>
-          <p:cNvSpPr>
-            <a:spLocks noGrp="1"/>
-          </p:cNvSpPr>
+          <p:cNvPicPr>
+            <a:picLocks noGrp="1" noChangeAspect="1" noChangeArrowheads="1"/>
+          </p:cNvPicPr>
           <p:nvPr>
             <p:ph sz="half" idx="2"/>
           </p:nvPr>
-        </p:nvSpPr>
-        <p:spPr/>
-        <p:txBody>
-          <a:bodyPr/>
-          <a:lstStyle/>
-          <a:p>
-            <a:endParaRPr lang="ru-RU"/>
-          </a:p>
-        </p:txBody>
-      </p:sp>
+        </p:nvPicPr>
+        <p:blipFill>
+          <a:blip r:embed="rId2">
+            <a:extLst>
+              <a:ext uri="{28A0092B-C50C-407E-A947-70E740481C1C}">
+                <a14:useLocalDpi xmlns:a14="http://schemas.microsoft.com/office/drawing/2010/main" val="0"/>
+              </a:ext>
+            </a:extLst>
+          </a:blip>
+          <a:srcRect/>
+          <a:stretch>
+            <a:fillRect/>
+          </a:stretch>
+        </p:blipFill>
+        <p:spPr bwMode="auto">
+          <a:xfrm>
+            <a:off x="7428796" y="2227111"/>
+            <a:ext cx="2400300" cy="3098800"/>
+          </a:xfrm>
+          <a:prstGeom prst="rect">
+            <a:avLst/>
+          </a:prstGeom>
+          <a:noFill/>
+          <a:extLst>
+            <a:ext uri="{909E8E84-426E-40DD-AFC4-6F175D3DCCD1}">
+              <a14:hiddenFill xmlns:a14="http://schemas.microsoft.com/office/drawing/2010/main">
+                <a:solidFill>
+                  <a:srgbClr val="FFFFFF"/>
+                </a:solidFill>
+              </a14:hiddenFill>
+            </a:ext>
+          </a:extLst>
+        </p:spPr>
+      </p:pic>
     </p:spTree>
     <p:extLst>
       <p:ext uri="{BB962C8B-B14F-4D97-AF65-F5344CB8AC3E}">
@@ -6995,7 +7049,7 @@
             <a:pPr algn="ctr"/>
             <a:r>
               <a:rPr lang="ru-RU" dirty="0"/>
-              <a:t>4. Актуальность исследования</a:t>
+              <a:t>3. Актуальность исследования</a:t>
             </a:r>
           </a:p>
         </p:txBody>
@@ -7021,35 +7075,130 @@
           <a:bodyPr/>
           <a:lstStyle/>
           <a:p>
-            <a:endParaRPr lang="ru-RU"/>
-          </a:p>
-        </p:txBody>
-      </p:sp>
-      <p:sp>
-        <p:nvSpPr>
-          <p:cNvPr id="4" name="Объект 3">
+            <a:pPr indent="360000">
+              <a:lnSpc>
+                <a:spcPct val="150000"/>
+              </a:lnSpc>
+              <a:buFont typeface="Arial" panose="020B0604020202020204" pitchFamily="34" charset="0"/>
+              <a:buChar char="•"/>
+            </a:pPr>
+            <a:r>
+              <a:rPr lang="ru-RU" dirty="0">
+                <a:latin typeface="Times New Roman" panose="02020603050405020304" pitchFamily="18" charset="0"/>
+                <a:ea typeface="Times New Roman" panose="02020603050405020304" pitchFamily="18" charset="0"/>
+              </a:rPr>
+              <a:t>К</a:t>
+            </a:r>
+            <a:r>
+              <a:rPr lang="ru-RU" sz="1800" dirty="0">
+                <a:effectLst/>
+                <a:latin typeface="Times New Roman" panose="02020603050405020304" pitchFamily="18" charset="0"/>
+                <a:ea typeface="Times New Roman" panose="02020603050405020304" pitchFamily="18" charset="0"/>
+              </a:rPr>
+              <a:t>лассификация музыки играет критически важную роль. Она позволяет эффективно организовывать, искать и рекомендовать музыку, формируя пользовательский опыт и принося значительную выгоду различным участникам рынка.</a:t>
+            </a:r>
+          </a:p>
+          <a:p>
+            <a:endParaRPr lang="ru-RU" dirty="0"/>
+          </a:p>
+        </p:txBody>
+      </p:sp>
+      <p:pic>
+        <p:nvPicPr>
+          <p:cNvPr id="2050" name="Picture 2" descr="Скачать Spotify v8.9.40.509 на андроид APK">
             <a:extLst>
               <a:ext uri="{FF2B5EF4-FFF2-40B4-BE49-F238E27FC236}">
-                <a16:creationId xmlns:a16="http://schemas.microsoft.com/office/drawing/2014/main" id="{9F5799AB-9B94-19B1-8499-CD9B0C135D8A}"/>
+                <a16:creationId xmlns:a16="http://schemas.microsoft.com/office/drawing/2014/main" id="{F70D98B0-B97F-8962-D39F-3A1016DF1AFD}"/>
               </a:ext>
             </a:extLst>
           </p:cNvPr>
-          <p:cNvSpPr>
-            <a:spLocks noGrp="1"/>
-          </p:cNvSpPr>
+          <p:cNvPicPr>
+            <a:picLocks noGrp="1" noChangeAspect="1" noChangeArrowheads="1"/>
+          </p:cNvPicPr>
           <p:nvPr>
             <p:ph sz="half" idx="2"/>
           </p:nvPr>
-        </p:nvSpPr>
-        <p:spPr/>
-        <p:txBody>
-          <a:bodyPr/>
-          <a:lstStyle/>
-          <a:p>
-            <a:endParaRPr lang="ru-RU"/>
-          </a:p>
-        </p:txBody>
-      </p:sp>
+        </p:nvPicPr>
+        <p:blipFill>
+          <a:blip r:embed="rId2">
+            <a:extLst>
+              <a:ext uri="{28A0092B-C50C-407E-A947-70E740481C1C}">
+                <a14:useLocalDpi xmlns:a14="http://schemas.microsoft.com/office/drawing/2010/main" val="0"/>
+              </a:ext>
+            </a:extLst>
+          </a:blip>
+          <a:srcRect/>
+          <a:stretch>
+            <a:fillRect/>
+          </a:stretch>
+        </p:blipFill>
+        <p:spPr bwMode="auto">
+          <a:xfrm>
+            <a:off x="6692351" y="2060575"/>
+            <a:ext cx="1714286" cy="1714286"/>
+          </a:xfrm>
+          <a:prstGeom prst="rect">
+            <a:avLst/>
+          </a:prstGeom>
+          <a:noFill/>
+          <a:extLst>
+            <a:ext uri="{909E8E84-426E-40DD-AFC4-6F175D3DCCD1}">
+              <a14:hiddenFill xmlns:a14="http://schemas.microsoft.com/office/drawing/2010/main">
+                <a:solidFill>
+                  <a:srgbClr val="FFFFFF"/>
+                </a:solidFill>
+              </a14:hiddenFill>
+            </a:ext>
+          </a:extLst>
+        </p:spPr>
+      </p:pic>
+      <p:pic>
+        <p:nvPicPr>
+          <p:cNvPr id="2054" name="Picture 6" descr="Сервис «Яндекс Музыка» перестал быть доступен многим пользователям | ИА  Красная Весна">
+            <a:extLst>
+              <a:ext uri="{FF2B5EF4-FFF2-40B4-BE49-F238E27FC236}">
+                <a16:creationId xmlns:a16="http://schemas.microsoft.com/office/drawing/2014/main" id="{BFAC588A-A73A-009D-ACF8-4D349597841A}"/>
+              </a:ext>
+            </a:extLst>
+          </p:cNvPr>
+          <p:cNvPicPr>
+            <a:picLocks noChangeAspect="1" noChangeArrowheads="1"/>
+          </p:cNvPicPr>
+          <p:nvPr/>
+        </p:nvPicPr>
+        <p:blipFill>
+          <a:blip r:embed="rId3">
+            <a:extLst>
+              <a:ext uri="{28A0092B-C50C-407E-A947-70E740481C1C}">
+                <a14:useLocalDpi xmlns:a14="http://schemas.microsoft.com/office/drawing/2010/main" val="0"/>
+              </a:ext>
+            </a:extLst>
+          </a:blip>
+          <a:srcRect/>
+          <a:stretch>
+            <a:fillRect/>
+          </a:stretch>
+        </p:blipFill>
+        <p:spPr bwMode="auto">
+          <a:xfrm>
+            <a:off x="8748437" y="3429000"/>
+            <a:ext cx="1701800" cy="1701800"/>
+          </a:xfrm>
+          <a:prstGeom prst="rect">
+            <a:avLst/>
+          </a:prstGeom>
+          <a:noFill/>
+          <a:extLst>
+            <a:ext uri="{909E8E84-426E-40DD-AFC4-6F175D3DCCD1}">
+              <a14:hiddenFill xmlns:a14="http://schemas.microsoft.com/office/drawing/2010/main">
+                <a:solidFill>
+                  <a:srgbClr val="FFFFFF"/>
+                </a:solidFill>
+              </a14:hiddenFill>
+            </a:ext>
+          </a:extLst>
+        </p:spPr>
+      </p:pic>
     </p:spTree>
     <p:extLst>
       <p:ext uri="{BB962C8B-B14F-4D97-AF65-F5344CB8AC3E}">
@@ -7104,7 +7253,7 @@
             <a:pPr algn="ctr"/>
             <a:r>
               <a:rPr lang="ru-RU" dirty="0"/>
-              <a:t>3. Цель и задачи работы</a:t>
+              <a:t>4. Цель работы</a:t>
             </a:r>
           </a:p>
         </p:txBody>
@@ -7130,35 +7279,57 @@
           <a:bodyPr/>
           <a:lstStyle/>
           <a:p>
-            <a:endParaRPr lang="ru-RU"/>
-          </a:p>
-        </p:txBody>
-      </p:sp>
-      <p:sp>
-        <p:nvSpPr>
-          <p:cNvPr id="4" name="Объект 3">
+            <a:pPr indent="360000">
+              <a:lnSpc>
+                <a:spcPct val="150000"/>
+              </a:lnSpc>
+              <a:buFont typeface="Arial" panose="020B0604020202020204" pitchFamily="34" charset="0"/>
+              <a:buChar char="•"/>
+            </a:pPr>
+            <a:r>
+              <a:rPr lang="ru-RU" sz="1800" dirty="0">
+                <a:effectLst/>
+                <a:latin typeface="Times New Roman" panose="02020603050405020304" pitchFamily="18" charset="0"/>
+                <a:ea typeface="Times New Roman" panose="02020603050405020304" pitchFamily="18" charset="0"/>
+              </a:rPr>
+              <a:t>Цель данной работы ­- разработка программы классификации музыкальных произведений по жанрам на основе алгоритмов метода опорных векторов (SVM), способной автоматически определять жанр музыкального произведения по его аудио характеристикам.</a:t>
+            </a:r>
+          </a:p>
+          <a:p>
+            <a:endParaRPr lang="ru-RU" dirty="0"/>
+          </a:p>
+        </p:txBody>
+      </p:sp>
+      <p:pic>
+        <p:nvPicPr>
+          <p:cNvPr id="6" name="Рисунок 5">
             <a:extLst>
               <a:ext uri="{FF2B5EF4-FFF2-40B4-BE49-F238E27FC236}">
-                <a16:creationId xmlns:a16="http://schemas.microsoft.com/office/drawing/2014/main" id="{9F5799AB-9B94-19B1-8499-CD9B0C135D8A}"/>
+                <a16:creationId xmlns:a16="http://schemas.microsoft.com/office/drawing/2014/main" id="{D88E454B-B1E0-6251-AFB9-CF79FA771033}"/>
               </a:ext>
             </a:extLst>
           </p:cNvPr>
-          <p:cNvSpPr>
-            <a:spLocks noGrp="1"/>
-          </p:cNvSpPr>
-          <p:nvPr>
-            <p:ph sz="half" idx="2"/>
-          </p:nvPr>
-        </p:nvSpPr>
-        <p:spPr/>
-        <p:txBody>
-          <a:bodyPr/>
-          <a:lstStyle/>
-          <a:p>
-            <a:endParaRPr lang="ru-RU"/>
-          </a:p>
-        </p:txBody>
-      </p:sp>
+          <p:cNvPicPr>
+            <a:picLocks noChangeAspect="1"/>
+          </p:cNvPicPr>
+          <p:nvPr/>
+        </p:nvPicPr>
+        <p:blipFill>
+          <a:blip r:embed="rId2"/>
+          <a:stretch>
+            <a:fillRect/>
+          </a:stretch>
+        </p:blipFill>
+        <p:spPr>
+          <a:xfrm>
+            <a:off x="6579647" y="2406770"/>
+            <a:ext cx="4018138" cy="2838090"/>
+          </a:xfrm>
+          <a:prstGeom prst="rect">
+            <a:avLst/>
+          </a:prstGeom>
+        </p:spPr>
+      </p:pic>
     </p:spTree>
     <p:extLst>
       <p:ext uri="{BB962C8B-B14F-4D97-AF65-F5344CB8AC3E}">
@@ -7213,7 +7384,7 @@
             <a:pPr algn="ctr"/>
             <a:r>
               <a:rPr lang="ru-RU" dirty="0"/>
-              <a:t>6. Язык </a:t>
+              <a:t>5. Язык </a:t>
             </a:r>
             <a:r>
               <a:rPr lang="en-US" dirty="0"/>
@@ -7242,40 +7413,89 @@
             <p:ph sz="half" idx="1"/>
           </p:nvPr>
         </p:nvSpPr>
-        <p:spPr/>
-        <p:txBody>
-          <a:bodyPr/>
-          <a:lstStyle/>
-          <a:p>
-            <a:endParaRPr lang="ru-RU"/>
-          </a:p>
-        </p:txBody>
-      </p:sp>
-      <p:sp>
-        <p:nvSpPr>
-          <p:cNvPr id="4" name="Объект 3">
+        <p:spPr>
+          <a:xfrm>
+            <a:off x="1103311" y="1853248"/>
+            <a:ext cx="4396339" cy="4195763"/>
+          </a:xfrm>
+        </p:spPr>
+        <p:txBody>
+          <a:bodyPr>
+            <a:normAutofit fontScale="85000" lnSpcReduction="10000"/>
+          </a:bodyPr>
+          <a:lstStyle/>
+          <a:p>
+            <a:pPr marL="342000" indent="360000">
+              <a:lnSpc>
+                <a:spcPct val="160000"/>
+              </a:lnSpc>
+              <a:buFont typeface="Arial" panose="020B0604020202020204" pitchFamily="34" charset="0"/>
+              <a:buChar char="•"/>
+            </a:pPr>
+            <a:r>
+              <a:rPr lang="ru-RU" b="0" i="0" dirty="0">
+                <a:effectLst/>
+                <a:latin typeface="Times New Roman" panose="02020603050405020304" pitchFamily="18" charset="0"/>
+                <a:cs typeface="Times New Roman" panose="02020603050405020304" pitchFamily="18" charset="0"/>
+              </a:rPr>
+              <a:t>Язык R — мощный и гибкий инструмент для статистических вычислений и визуализации данных. Он широко используется в анализе данных, машинном обучении, биоинформатике и других научных областях. Основные возможности R включают обработку и очистку данных, проведение статистических тестов, визуализацию результатов, создание интерактивных графиков, и работу с регрессионными моделями. </a:t>
+            </a:r>
+            <a:endParaRPr lang="ru-RU" dirty="0">
+              <a:latin typeface="Times New Roman" panose="02020603050405020304" pitchFamily="18" charset="0"/>
+              <a:cs typeface="Times New Roman" panose="02020603050405020304" pitchFamily="18" charset="0"/>
+            </a:endParaRPr>
+          </a:p>
+        </p:txBody>
+      </p:sp>
+      <p:pic>
+        <p:nvPicPr>
+          <p:cNvPr id="1026" name="Picture 2" descr="R (язык программирования) — Википедия">
             <a:extLst>
               <a:ext uri="{FF2B5EF4-FFF2-40B4-BE49-F238E27FC236}">
-                <a16:creationId xmlns:a16="http://schemas.microsoft.com/office/drawing/2014/main" id="{9F5799AB-9B94-19B1-8499-CD9B0C135D8A}"/>
+                <a16:creationId xmlns:a16="http://schemas.microsoft.com/office/drawing/2014/main" id="{C130F590-59E5-0F90-FB48-99785DBAA07F}"/>
               </a:ext>
             </a:extLst>
           </p:cNvPr>
-          <p:cNvSpPr>
-            <a:spLocks noGrp="1"/>
-          </p:cNvSpPr>
+          <p:cNvPicPr>
+            <a:picLocks noGrp="1" noChangeAspect="1" noChangeArrowheads="1"/>
+          </p:cNvPicPr>
           <p:nvPr>
             <p:ph sz="half" idx="2"/>
           </p:nvPr>
-        </p:nvSpPr>
-        <p:spPr/>
-        <p:txBody>
-          <a:bodyPr/>
-          <a:lstStyle/>
-          <a:p>
-            <a:endParaRPr lang="ru-RU"/>
-          </a:p>
-        </p:txBody>
-      </p:sp>
+        </p:nvPicPr>
+        <p:blipFill>
+          <a:blip r:embed="rId2">
+            <a:extLst>
+              <a:ext uri="{28A0092B-C50C-407E-A947-70E740481C1C}">
+                <a14:useLocalDpi xmlns:a14="http://schemas.microsoft.com/office/drawing/2010/main" val="0"/>
+              </a:ext>
+            </a:extLst>
+          </a:blip>
+          <a:srcRect/>
+          <a:stretch>
+            <a:fillRect/>
+          </a:stretch>
+        </p:blipFill>
+        <p:spPr bwMode="auto">
+          <a:xfrm>
+            <a:off x="6692351" y="2626605"/>
+            <a:ext cx="3438787" cy="2665059"/>
+          </a:xfrm>
+          <a:prstGeom prst="rect">
+            <a:avLst/>
+          </a:prstGeom>
+          <a:noFill/>
+          <a:extLst>
+            <a:ext uri="{909E8E84-426E-40DD-AFC4-6F175D3DCCD1}">
+              <a14:hiddenFill xmlns:a14="http://schemas.microsoft.com/office/drawing/2010/main">
+                <a:solidFill>
+                  <a:srgbClr val="FFFFFF"/>
+                </a:solidFill>
+              </a14:hiddenFill>
+            </a:ext>
+          </a:extLst>
+        </p:spPr>
+      </p:pic>
     </p:spTree>
     <p:extLst>
       <p:ext uri="{BB962C8B-B14F-4D97-AF65-F5344CB8AC3E}">
@@ -7351,40 +7571,140 @@
             <p:ph sz="half" idx="1"/>
           </p:nvPr>
         </p:nvSpPr>
-        <p:spPr/>
-        <p:txBody>
-          <a:bodyPr/>
-          <a:lstStyle/>
-          <a:p>
-            <a:endParaRPr lang="ru-RU"/>
-          </a:p>
-        </p:txBody>
-      </p:sp>
-      <p:sp>
-        <p:nvSpPr>
-          <p:cNvPr id="4" name="Объект 3">
+        <p:spPr>
+          <a:xfrm>
+            <a:off x="1102762" y="1837266"/>
+            <a:ext cx="4396339" cy="4195763"/>
+          </a:xfrm>
+        </p:spPr>
+        <p:txBody>
+          <a:bodyPr>
+            <a:normAutofit fontScale="92500" lnSpcReduction="10000"/>
+          </a:bodyPr>
+          <a:lstStyle/>
+          <a:p>
+            <a:pPr indent="360000">
+              <a:lnSpc>
+                <a:spcPct val="150000"/>
+              </a:lnSpc>
+              <a:spcBef>
+                <a:spcPts val="0"/>
+              </a:spcBef>
+              <a:buFont typeface="Arial" panose="020B0604020202020204" pitchFamily="34" charset="0"/>
+              <a:buChar char="•"/>
+            </a:pPr>
+            <a:r>
+              <a:rPr lang="ru-RU" sz="2000" dirty="0">
+                <a:latin typeface="Times New Roman" panose="02020603050405020304" pitchFamily="18" charset="0"/>
+                <a:cs typeface="Times New Roman" panose="02020603050405020304" pitchFamily="18" charset="0"/>
+              </a:rPr>
+              <a:t>В работе используется синтетический набор данных.</a:t>
+            </a:r>
+          </a:p>
+          <a:p>
+            <a:pPr indent="360000">
+              <a:lnSpc>
+                <a:spcPct val="150000"/>
+              </a:lnSpc>
+              <a:spcBef>
+                <a:spcPts val="0"/>
+              </a:spcBef>
+              <a:buFont typeface="Arial" panose="020B0604020202020204" pitchFamily="34" charset="0"/>
+              <a:buChar char="•"/>
+            </a:pPr>
+            <a:r>
+              <a:rPr lang="ru-RU" sz="2000" dirty="0" err="1">
+                <a:latin typeface="Times New Roman" panose="02020603050405020304" pitchFamily="18" charset="0"/>
+                <a:cs typeface="Times New Roman" panose="02020603050405020304" pitchFamily="18" charset="0"/>
+              </a:rPr>
+              <a:t>Датасет</a:t>
+            </a:r>
+            <a:r>
+              <a:rPr lang="ru-RU" sz="2000" dirty="0">
+                <a:latin typeface="Times New Roman" panose="02020603050405020304" pitchFamily="18" charset="0"/>
+                <a:cs typeface="Times New Roman" panose="02020603050405020304" pitchFamily="18" charset="0"/>
+              </a:rPr>
+              <a:t> состоит из 94 записей, также включает в себя 5 признаков и одну целевую переменную (Код Жанра).</a:t>
+            </a:r>
+          </a:p>
+          <a:p>
+            <a:pPr indent="360000">
+              <a:lnSpc>
+                <a:spcPct val="150000"/>
+              </a:lnSpc>
+              <a:spcBef>
+                <a:spcPts val="0"/>
+              </a:spcBef>
+              <a:buFont typeface="Arial" panose="020B0604020202020204" pitchFamily="34" charset="0"/>
+              <a:buChar char="•"/>
+            </a:pPr>
+            <a:r>
+              <a:rPr lang="ru-RU" sz="2000" dirty="0">
+                <a:latin typeface="Times New Roman" panose="02020603050405020304" pitchFamily="18" charset="0"/>
+                <a:cs typeface="Times New Roman" panose="02020603050405020304" pitchFamily="18" charset="0"/>
+              </a:rPr>
+              <a:t>Признаки разделяются на числовые (</a:t>
+            </a:r>
+            <a:r>
+              <a:rPr lang="en-US" sz="2000" dirty="0">
+                <a:latin typeface="Times New Roman" panose="02020603050405020304" pitchFamily="18" charset="0"/>
+                <a:cs typeface="Times New Roman" panose="02020603050405020304" pitchFamily="18" charset="0"/>
+              </a:rPr>
+              <a:t>BPM, RMS Energy, Zero Crossing Rate, </a:t>
+            </a:r>
+            <a:r>
+              <a:rPr lang="ru-RU" sz="2000" dirty="0" err="1">
+                <a:latin typeface="Times New Roman" panose="02020603050405020304" pitchFamily="18" charset="0"/>
+                <a:cs typeface="Times New Roman" panose="02020603050405020304" pitchFamily="18" charset="0"/>
+              </a:rPr>
+              <a:t>Инструментальность</a:t>
+            </a:r>
+            <a:r>
+              <a:rPr lang="ru-RU" sz="2000" dirty="0">
+                <a:latin typeface="Times New Roman" panose="02020603050405020304" pitchFamily="18" charset="0"/>
+                <a:cs typeface="Times New Roman" panose="02020603050405020304" pitchFamily="18" charset="0"/>
+              </a:rPr>
+              <a:t> и Вокал) и категориальные (Жанр).</a:t>
+            </a:r>
+          </a:p>
+          <a:p>
+            <a:pPr>
+              <a:buFont typeface="Arial" panose="020B0604020202020204" pitchFamily="34" charset="0"/>
+              <a:buChar char="•"/>
+            </a:pPr>
+            <a:endParaRPr lang="ru-RU" dirty="0"/>
+          </a:p>
+        </p:txBody>
+      </p:sp>
+      <p:pic>
+        <p:nvPicPr>
+          <p:cNvPr id="6" name="Объект 5">
             <a:extLst>
               <a:ext uri="{FF2B5EF4-FFF2-40B4-BE49-F238E27FC236}">
-                <a16:creationId xmlns:a16="http://schemas.microsoft.com/office/drawing/2014/main" id="{1780A47F-9621-B6AC-2A4A-8168AA043438}"/>
+                <a16:creationId xmlns:a16="http://schemas.microsoft.com/office/drawing/2014/main" id="{93E3FE78-7C23-9054-5DAF-7E7521E71D30}"/>
               </a:ext>
             </a:extLst>
           </p:cNvPr>
-          <p:cNvSpPr>
-            <a:spLocks noGrp="1"/>
-          </p:cNvSpPr>
+          <p:cNvPicPr>
+            <a:picLocks noGrp="1" noChangeAspect="1"/>
+          </p:cNvPicPr>
           <p:nvPr>
             <p:ph sz="half" idx="2"/>
           </p:nvPr>
-        </p:nvSpPr>
-        <p:spPr/>
-        <p:txBody>
-          <a:bodyPr/>
-          <a:lstStyle/>
-          <a:p>
-            <a:endParaRPr lang="ru-RU"/>
-          </a:p>
-        </p:txBody>
-      </p:sp>
+        </p:nvPicPr>
+        <p:blipFill>
+          <a:blip r:embed="rId2"/>
+          <a:stretch>
+            <a:fillRect/>
+          </a:stretch>
+        </p:blipFill>
+        <p:spPr>
+          <a:xfrm>
+            <a:off x="6692900" y="3429000"/>
+            <a:ext cx="4395788" cy="1012296"/>
+          </a:xfrm>
+        </p:spPr>
+      </p:pic>
     </p:spTree>
     <p:extLst>
       <p:ext uri="{BB962C8B-B14F-4D97-AF65-F5344CB8AC3E}">
@@ -7465,7 +7785,7 @@
           <a:bodyPr/>
           <a:lstStyle/>
           <a:p>
-            <a:endParaRPr lang="ru-RU"/>
+            <a:endParaRPr lang="ru-RU" dirty="0"/>
           </a:p>
         </p:txBody>
       </p:sp>
@@ -7571,10 +7891,41 @@
         </p:nvSpPr>
         <p:spPr/>
         <p:txBody>
-          <a:bodyPr/>
-          <a:lstStyle/>
-          <a:p>
-            <a:endParaRPr lang="ru-RU"/>
+          <a:bodyPr>
+            <a:normAutofit fontScale="92500" lnSpcReduction="20000"/>
+          </a:bodyPr>
+          <a:lstStyle/>
+          <a:p>
+            <a:pPr marL="0" indent="360000">
+              <a:lnSpc>
+                <a:spcPct val="170000"/>
+              </a:lnSpc>
+              <a:buFont typeface="Arial" panose="020B0604020202020204" pitchFamily="34" charset="0"/>
+              <a:buChar char="•"/>
+            </a:pPr>
+            <a:r>
+              <a:rPr lang="ru-RU" sz="2000" dirty="0">
+                <a:latin typeface="Times New Roman" panose="02020603050405020304" pitchFamily="18" charset="0"/>
+                <a:cs typeface="Times New Roman" panose="02020603050405020304" pitchFamily="18" charset="0"/>
+              </a:rPr>
+              <a:t>Задачу классификации музыки можно определить как процесс определения жанра трека на основе его аудиоданных. </a:t>
+            </a:r>
+          </a:p>
+          <a:p>
+            <a:pPr marL="0" indent="360000">
+              <a:lnSpc>
+                <a:spcPct val="170000"/>
+              </a:lnSpc>
+              <a:buFont typeface="Arial" panose="020B0604020202020204" pitchFamily="34" charset="0"/>
+              <a:buChar char="•"/>
+            </a:pPr>
+            <a:r>
+              <a:rPr lang="ru-RU" sz="2000" dirty="0">
+                <a:latin typeface="Times New Roman" panose="02020603050405020304" pitchFamily="18" charset="0"/>
+                <a:cs typeface="Times New Roman" panose="02020603050405020304" pitchFamily="18" charset="0"/>
+              </a:rPr>
+              <a:t>Существуют различные методы классификации, такие как логистическая регрессия, байесовский классификатор, однако в работе используется метод опорных векторов.</a:t>
+            </a:r>
           </a:p>
         </p:txBody>
       </p:sp>
@@ -7596,10 +7947,15 @@
         </p:nvSpPr>
         <p:spPr/>
         <p:txBody>
-          <a:bodyPr/>
-          <a:lstStyle/>
-          <a:p>
-            <a:endParaRPr lang="ru-RU"/>
+          <a:bodyPr>
+            <a:normAutofit fontScale="92500" lnSpcReduction="20000"/>
+          </a:bodyPr>
+          <a:lstStyle/>
+          <a:p>
+            <a:r>
+              <a:rPr lang="ru-RU" dirty="0"/>
+              <a:t>График распределения по классам</a:t>
+            </a:r>
           </a:p>
         </p:txBody>
       </p:sp>
@@ -7678,40 +8034,110 @@
             <p:ph sz="half" idx="1"/>
           </p:nvPr>
         </p:nvSpPr>
-        <p:spPr/>
-        <p:txBody>
-          <a:bodyPr/>
-          <a:lstStyle/>
-          <a:p>
-            <a:endParaRPr lang="ru-RU"/>
-          </a:p>
-        </p:txBody>
-      </p:sp>
-      <p:sp>
-        <p:nvSpPr>
-          <p:cNvPr id="4" name="Объект 3">
+        <p:spPr>
+          <a:xfrm>
+            <a:off x="1050437" y="1853248"/>
+            <a:ext cx="4396339" cy="4195763"/>
+          </a:xfrm>
+        </p:spPr>
+        <p:txBody>
+          <a:bodyPr>
+            <a:normAutofit lnSpcReduction="10000"/>
+          </a:bodyPr>
+          <a:lstStyle/>
+          <a:p>
+            <a:pPr indent="360000">
+              <a:lnSpc>
+                <a:spcPct val="150000"/>
+              </a:lnSpc>
+              <a:buFont typeface="Arial" panose="020B0604020202020204" pitchFamily="34" charset="0"/>
+              <a:buChar char="•"/>
+            </a:pPr>
+            <a:r>
+              <a:rPr lang="ru-RU" dirty="0">
+                <a:latin typeface="Times New Roman" panose="02020603050405020304" pitchFamily="18" charset="0"/>
+                <a:cs typeface="Times New Roman" panose="02020603050405020304" pitchFamily="18" charset="0"/>
+              </a:rPr>
+              <a:t>Метод опорных векторов (</a:t>
+            </a:r>
+            <a:r>
+              <a:rPr lang="en-US" dirty="0">
+                <a:latin typeface="Times New Roman" panose="02020603050405020304" pitchFamily="18" charset="0"/>
+                <a:cs typeface="Times New Roman" panose="02020603050405020304" pitchFamily="18" charset="0"/>
+              </a:rPr>
+              <a:t>SVM)</a:t>
+            </a:r>
+            <a:r>
+              <a:rPr lang="ru-RU" dirty="0">
+                <a:latin typeface="Times New Roman" panose="02020603050405020304" pitchFamily="18" charset="0"/>
+                <a:cs typeface="Times New Roman" panose="02020603050405020304" pitchFamily="18" charset="0"/>
+              </a:rPr>
+              <a:t> ищет гиперплоскость, которая максимально разделяет данные разных классов.</a:t>
+            </a:r>
+          </a:p>
+          <a:p>
+            <a:pPr indent="360000">
+              <a:lnSpc>
+                <a:spcPct val="150000"/>
+              </a:lnSpc>
+              <a:buFont typeface="Arial" panose="020B0604020202020204" pitchFamily="34" charset="0"/>
+              <a:buChar char="•"/>
+            </a:pPr>
+            <a:r>
+              <a:rPr lang="ru-RU" dirty="0">
+                <a:latin typeface="Times New Roman" panose="02020603050405020304" pitchFamily="18" charset="0"/>
+                <a:cs typeface="Times New Roman" panose="02020603050405020304" pitchFamily="18" charset="0"/>
+              </a:rPr>
+              <a:t>Опорные векторы – это объекты обучения, лежащие ближе всего к разделяющей гиперплоскости.</a:t>
+            </a:r>
+          </a:p>
+          <a:p>
+            <a:pPr indent="360000">
+              <a:lnSpc>
+                <a:spcPct val="150000"/>
+              </a:lnSpc>
+              <a:buFont typeface="Arial" panose="020B0604020202020204" pitchFamily="34" charset="0"/>
+              <a:buChar char="•"/>
+            </a:pPr>
+            <a:r>
+              <a:rPr lang="ru-RU" dirty="0">
+                <a:latin typeface="Times New Roman" panose="02020603050405020304" pitchFamily="18" charset="0"/>
+                <a:cs typeface="Times New Roman" panose="02020603050405020304" pitchFamily="18" charset="0"/>
+              </a:rPr>
+              <a:t>Цель – максимизировать расстояние между гиперплоскостью и ближайшими точками каждого класса.</a:t>
+            </a:r>
+          </a:p>
+        </p:txBody>
+      </p:sp>
+      <p:pic>
+        <p:nvPicPr>
+          <p:cNvPr id="6" name="Объект 5">
             <a:extLst>
               <a:ext uri="{FF2B5EF4-FFF2-40B4-BE49-F238E27FC236}">
-                <a16:creationId xmlns:a16="http://schemas.microsoft.com/office/drawing/2014/main" id="{FC0373AC-5552-9717-9F43-0ED055331147}"/>
+                <a16:creationId xmlns:a16="http://schemas.microsoft.com/office/drawing/2014/main" id="{65CA7B48-6580-7115-D6B7-68DD270C887C}"/>
               </a:ext>
             </a:extLst>
           </p:cNvPr>
-          <p:cNvSpPr>
-            <a:spLocks noGrp="1"/>
-          </p:cNvSpPr>
+          <p:cNvPicPr>
+            <a:picLocks noGrp="1" noChangeAspect="1"/>
+          </p:cNvPicPr>
           <p:nvPr>
             <p:ph sz="half" idx="2"/>
           </p:nvPr>
-        </p:nvSpPr>
-        <p:spPr/>
-        <p:txBody>
-          <a:bodyPr/>
-          <a:lstStyle/>
-          <a:p>
-            <a:endParaRPr lang="ru-RU"/>
-          </a:p>
-        </p:txBody>
-      </p:sp>
+        </p:nvPicPr>
+        <p:blipFill>
+          <a:blip r:embed="rId2"/>
+          <a:stretch>
+            <a:fillRect/>
+          </a:stretch>
+        </p:blipFill>
+        <p:spPr>
+          <a:xfrm>
+            <a:off x="6745226" y="2297110"/>
+            <a:ext cx="4030408" cy="3308039"/>
+          </a:xfrm>
+        </p:spPr>
+      </p:pic>
     </p:spTree>
     <p:extLst>
       <p:ext uri="{BB962C8B-B14F-4D97-AF65-F5344CB8AC3E}">
